--- a/Plugin nút hủy đơn hàng.pptx
+++ b/Plugin nút hủy đơn hàng.pptx
@@ -5,17 +5,12 @@
     <p:sldMasterId id="2147483648" r:id="rId1"/>
   </p:sldMasterIdLst>
   <p:sldIdLst>
-    <p:sldId id="256" r:id="rId2"/>
-    <p:sldId id="257" r:id="rId3"/>
-    <p:sldId id="258" r:id="rId4"/>
-    <p:sldId id="259" r:id="rId5"/>
-    <p:sldId id="260" r:id="rId6"/>
-    <p:sldId id="261" r:id="rId7"/>
-    <p:sldId id="262" r:id="rId8"/>
-    <p:sldId id="263" r:id="rId9"/>
-    <p:sldId id="264" r:id="rId10"/>
-    <p:sldId id="265" r:id="rId11"/>
-    <p:sldId id="266" r:id="rId12"/>
+    <p:sldId id="258" r:id="rId2"/>
+    <p:sldId id="259" r:id="rId3"/>
+    <p:sldId id="260" r:id="rId4"/>
+    <p:sldId id="261" r:id="rId5"/>
+    <p:sldId id="262" r:id="rId6"/>
+    <p:sldId id="263" r:id="rId7"/>
   </p:sldIdLst>
   <p:sldSz cx="12192000" cy="6858000"/>
   <p:notesSz cx="6858000" cy="9144000"/>
@@ -114,6 +109,11 @@
       </a:defRPr>
     </a:lvl9pPr>
   </p:defaultTextStyle>
+  <p:extLst>
+    <p:ext uri="{EFAFB233-063F-42B5-8137-9DF3F51BA10A}">
+      <p15:sldGuideLst xmlns:p15="http://schemas.microsoft.com/office/powerpoint/2012/main"/>
+    </p:ext>
+  </p:extLst>
 </p:presentation>
 </file>
 
@@ -264,7 +264,7 @@
           <a:p>
             <a:fld id="{C659FD61-8A33-44AC-BEF5-141B72145344}" type="datetimeFigureOut">
               <a:rPr lang="en-US" smtClean="0"/>
-              <a:t>24/10/2024</a:t>
+              <a:t>24/12/2024</a:t>
             </a:fld>
             <a:endParaRPr lang="en-US"/>
           </a:p>
@@ -462,7 +462,7 @@
           <a:p>
             <a:fld id="{C659FD61-8A33-44AC-BEF5-141B72145344}" type="datetimeFigureOut">
               <a:rPr lang="en-US" smtClean="0"/>
-              <a:t>24/10/2024</a:t>
+              <a:t>24/12/2024</a:t>
             </a:fld>
             <a:endParaRPr lang="en-US"/>
           </a:p>
@@ -670,7 +670,7 @@
           <a:p>
             <a:fld id="{C659FD61-8A33-44AC-BEF5-141B72145344}" type="datetimeFigureOut">
               <a:rPr lang="en-US" smtClean="0"/>
-              <a:t>24/10/2024</a:t>
+              <a:t>24/12/2024</a:t>
             </a:fld>
             <a:endParaRPr lang="en-US"/>
           </a:p>
@@ -868,7 +868,7 @@
           <a:p>
             <a:fld id="{C659FD61-8A33-44AC-BEF5-141B72145344}" type="datetimeFigureOut">
               <a:rPr lang="en-US" smtClean="0"/>
-              <a:t>24/10/2024</a:t>
+              <a:t>24/12/2024</a:t>
             </a:fld>
             <a:endParaRPr lang="en-US"/>
           </a:p>
@@ -1143,7 +1143,7 @@
           <a:p>
             <a:fld id="{C659FD61-8A33-44AC-BEF5-141B72145344}" type="datetimeFigureOut">
               <a:rPr lang="en-US" smtClean="0"/>
-              <a:t>24/10/2024</a:t>
+              <a:t>24/12/2024</a:t>
             </a:fld>
             <a:endParaRPr lang="en-US"/>
           </a:p>
@@ -1408,7 +1408,7 @@
           <a:p>
             <a:fld id="{C659FD61-8A33-44AC-BEF5-141B72145344}" type="datetimeFigureOut">
               <a:rPr lang="en-US" smtClean="0"/>
-              <a:t>24/10/2024</a:t>
+              <a:t>24/12/2024</a:t>
             </a:fld>
             <a:endParaRPr lang="en-US"/>
           </a:p>
@@ -1820,7 +1820,7 @@
           <a:p>
             <a:fld id="{C659FD61-8A33-44AC-BEF5-141B72145344}" type="datetimeFigureOut">
               <a:rPr lang="en-US" smtClean="0"/>
-              <a:t>24/10/2024</a:t>
+              <a:t>24/12/2024</a:t>
             </a:fld>
             <a:endParaRPr lang="en-US"/>
           </a:p>
@@ -1961,7 +1961,7 @@
           <a:p>
             <a:fld id="{C659FD61-8A33-44AC-BEF5-141B72145344}" type="datetimeFigureOut">
               <a:rPr lang="en-US" smtClean="0"/>
-              <a:t>24/10/2024</a:t>
+              <a:t>24/12/2024</a:t>
             </a:fld>
             <a:endParaRPr lang="en-US"/>
           </a:p>
@@ -2074,7 +2074,7 @@
           <a:p>
             <a:fld id="{C659FD61-8A33-44AC-BEF5-141B72145344}" type="datetimeFigureOut">
               <a:rPr lang="en-US" smtClean="0"/>
-              <a:t>24/10/2024</a:t>
+              <a:t>24/12/2024</a:t>
             </a:fld>
             <a:endParaRPr lang="en-US"/>
           </a:p>
@@ -2385,7 +2385,7 @@
           <a:p>
             <a:fld id="{C659FD61-8A33-44AC-BEF5-141B72145344}" type="datetimeFigureOut">
               <a:rPr lang="en-US" smtClean="0"/>
-              <a:t>24/10/2024</a:t>
+              <a:t>24/12/2024</a:t>
             </a:fld>
             <a:endParaRPr lang="en-US"/>
           </a:p>
@@ -2673,7 +2673,7 @@
           <a:p>
             <a:fld id="{C659FD61-8A33-44AC-BEF5-141B72145344}" type="datetimeFigureOut">
               <a:rPr lang="en-US" smtClean="0"/>
-              <a:t>24/10/2024</a:t>
+              <a:t>24/12/2024</a:t>
             </a:fld>
             <a:endParaRPr lang="en-US"/>
           </a:p>
@@ -2914,7 +2914,7 @@
           <a:p>
             <a:fld id="{C659FD61-8A33-44AC-BEF5-141B72145344}" type="datetimeFigureOut">
               <a:rPr lang="en-US" smtClean="0"/>
-              <a:t>24/10/2024</a:t>
+              <a:t>24/12/2024</a:t>
             </a:fld>
             <a:endParaRPr lang="en-US"/>
           </a:p>
@@ -3336,47 +3336,63 @@
           <p:cNvPr id="2" name="Title 1">
             <a:extLst>
               <a:ext uri="{FF2B5EF4-FFF2-40B4-BE49-F238E27FC236}">
-                <a16:creationId xmlns:a16="http://schemas.microsoft.com/office/drawing/2014/main" id="{46E42DB7-3238-4E2A-8D35-85F0CAA49E4F}"/>
-              </a:ext>
-            </a:extLst>
-          </p:cNvPr>
-          <p:cNvSpPr>
-            <a:spLocks noGrp="1"/>
-          </p:cNvSpPr>
-          <p:nvPr>
-            <p:ph type="ctrTitle"/>
-          </p:nvPr>
-        </p:nvSpPr>
-        <p:spPr/>
-        <p:txBody>
-          <a:bodyPr/>
-          <a:lstStyle/>
-          <a:p>
-            <a:endParaRPr lang="en-US"/>
-          </a:p>
-        </p:txBody>
-      </p:sp>
-      <p:sp>
-        <p:nvSpPr>
-          <p:cNvPr id="3" name="Subtitle 2">
-            <a:extLst>
-              <a:ext uri="{FF2B5EF4-FFF2-40B4-BE49-F238E27FC236}">
-                <a16:creationId xmlns:a16="http://schemas.microsoft.com/office/drawing/2014/main" id="{EA16CE36-B61A-4326-BEB7-FA4C3D85F01C}"/>
-              </a:ext>
-            </a:extLst>
-          </p:cNvPr>
-          <p:cNvSpPr>
-            <a:spLocks noGrp="1"/>
-          </p:cNvSpPr>
-          <p:nvPr>
-            <p:ph type="subTitle" idx="1"/>
-          </p:nvPr>
-        </p:nvSpPr>
-        <p:spPr/>
-        <p:txBody>
-          <a:bodyPr/>
-          <a:lstStyle/>
-          <a:p>
+                <a16:creationId xmlns:a16="http://schemas.microsoft.com/office/drawing/2014/main" id="{ED18E6C3-2E5A-4073-8315-863D4F338404}"/>
+              </a:ext>
+            </a:extLst>
+          </p:cNvPr>
+          <p:cNvSpPr>
+            <a:spLocks noGrp="1"/>
+          </p:cNvSpPr>
+          <p:nvPr>
+            <p:ph type="title"/>
+          </p:nvPr>
+        </p:nvSpPr>
+        <p:spPr>
+          <a:xfrm>
+            <a:off x="97656" y="62642"/>
+            <a:ext cx="10515600" cy="1325563"/>
+          </a:xfrm>
+        </p:spPr>
+        <p:txBody>
+          <a:bodyPr>
+            <a:normAutofit fontScale="90000"/>
+          </a:bodyPr>
+          <a:lstStyle/>
+          <a:p>
+            <a:r>
+              <a:rPr lang="en-US"/>
+              <a:t>Plugin này chi tiết h</a:t>
+            </a:r>
+            <a:r>
+              <a:rPr lang="vi-VN"/>
+              <a:t>ơ</a:t>
+            </a:r>
+            <a:r>
+              <a:rPr lang="en-US"/>
+              <a:t>n trong mục hủy đ</a:t>
+            </a:r>
+            <a:r>
+              <a:rPr lang="vi-VN"/>
+              <a:t>ơ</a:t>
+            </a:r>
+            <a:r>
+              <a:rPr lang="en-US"/>
+              <a:t>n hàng.( Mail chi tiết h</a:t>
+            </a:r>
+            <a:r>
+              <a:rPr lang="vi-VN"/>
+              <a:t>ơ</a:t>
+            </a:r>
+            <a:r>
+              <a:rPr lang="en-US"/>
+              <a:t>n)==</a:t>
+            </a:r>
+            <a:r>
+              <a:rPr lang="en-US">
+                <a:sym typeface="Wingdings" panose="05000000000000000000" pitchFamily="2" charset="2"/>
+              </a:rPr>
+              <a:t> Cho phép Chỉnh sửa Email.</a:t>
+            </a:r>
             <a:endParaRPr lang="en-US"/>
           </a:p>
         </p:txBody>
@@ -3386,7 +3402,7 @@
           <p:cNvPr id="4" name="Picture 3">
             <a:extLst>
               <a:ext uri="{FF2B5EF4-FFF2-40B4-BE49-F238E27FC236}">
-                <a16:creationId xmlns:a16="http://schemas.microsoft.com/office/drawing/2014/main" id="{1197AD1D-A36A-4AE2-9DC6-2B9B44890BBC}"/>
+                <a16:creationId xmlns:a16="http://schemas.microsoft.com/office/drawing/2014/main" id="{63A0B656-B875-476E-8FD2-78783720E4BD}"/>
               </a:ext>
             </a:extLst>
           </p:cNvPr>
@@ -3403,178 +3419,61 @@
         </p:blipFill>
         <p:spPr>
           <a:xfrm>
-            <a:off x="648006" y="520700"/>
-            <a:ext cx="6457151" cy="5816600"/>
+            <a:off x="490385" y="1550416"/>
+            <a:ext cx="5401429" cy="4351339"/>
           </a:xfrm>
           <a:prstGeom prst="rect">
             <a:avLst/>
           </a:prstGeom>
         </p:spPr>
       </p:pic>
+      <p:sp>
+        <p:nvSpPr>
+          <p:cNvPr id="5" name="TextBox 4">
+            <a:extLst>
+              <a:ext uri="{FF2B5EF4-FFF2-40B4-BE49-F238E27FC236}">
+                <a16:creationId xmlns:a16="http://schemas.microsoft.com/office/drawing/2014/main" id="{1A44A32A-F215-4BA7-881C-8EAEEE5502DE}"/>
+              </a:ext>
+            </a:extLst>
+          </p:cNvPr>
+          <p:cNvSpPr txBox="1"/>
+          <p:nvPr/>
+        </p:nvSpPr>
+        <p:spPr>
+          <a:xfrm>
+            <a:off x="6436312" y="1935332"/>
+            <a:ext cx="5149048" cy="369332"/>
+          </a:xfrm>
+          <a:prstGeom prst="rect">
+            <a:avLst/>
+          </a:prstGeom>
+          <a:noFill/>
+        </p:spPr>
+        <p:txBody>
+          <a:bodyPr wrap="square" rtlCol="0">
+            <a:spAutoFit/>
+          </a:bodyPr>
+          <a:lstStyle/>
+          <a:p>
+            <a:r>
+              <a:rPr lang="en-US"/>
+              <a:t>Tùy chỉnh các tr</a:t>
+            </a:r>
+            <a:r>
+              <a:rPr lang="vi-VN"/>
+              <a:t>ư</a:t>
+            </a:r>
+            <a:r>
+              <a:rPr lang="en-US"/>
+              <a:t>ờng của Email.</a:t>
+            </a:r>
+          </a:p>
+        </p:txBody>
+      </p:sp>
     </p:spTree>
     <p:extLst>
       <p:ext uri="{BB962C8B-B14F-4D97-AF65-F5344CB8AC3E}">
-        <p14:creationId xmlns:p14="http://schemas.microsoft.com/office/powerpoint/2010/main" val="3814529098"/>
-      </p:ext>
-    </p:extLst>
-  </p:cSld>
-  <p:clrMapOvr>
-    <a:masterClrMapping/>
-  </p:clrMapOvr>
-</p:sld>
-</file>
-
-<file path=ppt/slides/slide10.xml><?xml version="1.0" encoding="utf-8"?>
-<p:sld xmlns:a="http://schemas.openxmlformats.org/drawingml/2006/main" xmlns:r="http://schemas.openxmlformats.org/officeDocument/2006/relationships" xmlns:p="http://schemas.openxmlformats.org/presentationml/2006/main">
-  <p:cSld>
-    <p:spTree>
-      <p:nvGrpSpPr>
-        <p:cNvPr id="1" name=""/>
-        <p:cNvGrpSpPr/>
-        <p:nvPr/>
-      </p:nvGrpSpPr>
-      <p:grpSpPr>
-        <a:xfrm>
-          <a:off x="0" y="0"/>
-          <a:ext cx="0" cy="0"/>
-          <a:chOff x="0" y="0"/>
-          <a:chExt cx="0" cy="0"/>
-        </a:xfrm>
-      </p:grpSpPr>
-      <p:sp>
-        <p:nvSpPr>
-          <p:cNvPr id="2" name="Title 1">
-            <a:extLst>
-              <a:ext uri="{FF2B5EF4-FFF2-40B4-BE49-F238E27FC236}">
-                <a16:creationId xmlns:a16="http://schemas.microsoft.com/office/drawing/2014/main" id="{61997D55-534B-4A5E-B46B-C466874D53FF}"/>
-              </a:ext>
-            </a:extLst>
-          </p:cNvPr>
-          <p:cNvSpPr>
-            <a:spLocks noGrp="1"/>
-          </p:cNvSpPr>
-          <p:nvPr>
-            <p:ph type="title"/>
-          </p:nvPr>
-        </p:nvSpPr>
-        <p:spPr/>
-        <p:txBody>
-          <a:bodyPr/>
-          <a:lstStyle/>
-          <a:p>
-            <a:endParaRPr lang="en-US"/>
-          </a:p>
-        </p:txBody>
-      </p:sp>
-      <p:sp>
-        <p:nvSpPr>
-          <p:cNvPr id="3" name="Content Placeholder 2">
-            <a:extLst>
-              <a:ext uri="{FF2B5EF4-FFF2-40B4-BE49-F238E27FC236}">
-                <a16:creationId xmlns:a16="http://schemas.microsoft.com/office/drawing/2014/main" id="{EDC656F0-40D8-4785-A974-E8ED3CF2AD4D}"/>
-              </a:ext>
-            </a:extLst>
-          </p:cNvPr>
-          <p:cNvSpPr>
-            <a:spLocks noGrp="1"/>
-          </p:cNvSpPr>
-          <p:nvPr>
-            <p:ph idx="1"/>
-          </p:nvPr>
-        </p:nvSpPr>
-        <p:spPr/>
-        <p:txBody>
-          <a:bodyPr/>
-          <a:lstStyle/>
-          <a:p>
-            <a:endParaRPr lang="en-US"/>
-          </a:p>
-        </p:txBody>
-      </p:sp>
-    </p:spTree>
-    <p:extLst>
-      <p:ext uri="{BB962C8B-B14F-4D97-AF65-F5344CB8AC3E}">
-        <p14:creationId xmlns:p14="http://schemas.microsoft.com/office/powerpoint/2010/main" val="358414484"/>
-      </p:ext>
-    </p:extLst>
-  </p:cSld>
-  <p:clrMapOvr>
-    <a:masterClrMapping/>
-  </p:clrMapOvr>
-</p:sld>
-</file>
-
-<file path=ppt/slides/slide11.xml><?xml version="1.0" encoding="utf-8"?>
-<p:sld xmlns:a="http://schemas.openxmlformats.org/drawingml/2006/main" xmlns:r="http://schemas.openxmlformats.org/officeDocument/2006/relationships" xmlns:p="http://schemas.openxmlformats.org/presentationml/2006/main">
-  <p:cSld>
-    <p:spTree>
-      <p:nvGrpSpPr>
-        <p:cNvPr id="1" name=""/>
-        <p:cNvGrpSpPr/>
-        <p:nvPr/>
-      </p:nvGrpSpPr>
-      <p:grpSpPr>
-        <a:xfrm>
-          <a:off x="0" y="0"/>
-          <a:ext cx="0" cy="0"/>
-          <a:chOff x="0" y="0"/>
-          <a:chExt cx="0" cy="0"/>
-        </a:xfrm>
-      </p:grpSpPr>
-      <p:sp>
-        <p:nvSpPr>
-          <p:cNvPr id="2" name="Title 1">
-            <a:extLst>
-              <a:ext uri="{FF2B5EF4-FFF2-40B4-BE49-F238E27FC236}">
-                <a16:creationId xmlns:a16="http://schemas.microsoft.com/office/drawing/2014/main" id="{E01D695E-1E10-4E3E-A43D-216274FBAB05}"/>
-              </a:ext>
-            </a:extLst>
-          </p:cNvPr>
-          <p:cNvSpPr>
-            <a:spLocks noGrp="1"/>
-          </p:cNvSpPr>
-          <p:nvPr>
-            <p:ph type="title"/>
-          </p:nvPr>
-        </p:nvSpPr>
-        <p:spPr/>
-        <p:txBody>
-          <a:bodyPr/>
-          <a:lstStyle/>
-          <a:p>
-            <a:endParaRPr lang="en-US"/>
-          </a:p>
-        </p:txBody>
-      </p:sp>
-      <p:sp>
-        <p:nvSpPr>
-          <p:cNvPr id="3" name="Content Placeholder 2">
-            <a:extLst>
-              <a:ext uri="{FF2B5EF4-FFF2-40B4-BE49-F238E27FC236}">
-                <a16:creationId xmlns:a16="http://schemas.microsoft.com/office/drawing/2014/main" id="{2F1E6AD5-6086-46F3-ACE6-0BB64F8318AB}"/>
-              </a:ext>
-            </a:extLst>
-          </p:cNvPr>
-          <p:cNvSpPr>
-            <a:spLocks noGrp="1"/>
-          </p:cNvSpPr>
-          <p:nvPr>
-            <p:ph idx="1"/>
-          </p:nvPr>
-        </p:nvSpPr>
-        <p:spPr/>
-        <p:txBody>
-          <a:bodyPr/>
-          <a:lstStyle/>
-          <a:p>
-            <a:endParaRPr lang="en-US"/>
-          </a:p>
-        </p:txBody>
-      </p:sp>
-    </p:spTree>
-    <p:extLst>
-      <p:ext uri="{BB962C8B-B14F-4D97-AF65-F5344CB8AC3E}">
-        <p14:creationId xmlns:p14="http://schemas.microsoft.com/office/powerpoint/2010/main" val="4028761145"/>
+        <p14:creationId xmlns:p14="http://schemas.microsoft.com/office/powerpoint/2010/main" val="2222039678"/>
       </p:ext>
     </p:extLst>
   </p:cSld>
@@ -3606,7 +3505,7 @@
           <p:cNvPr id="2" name="Title 1">
             <a:extLst>
               <a:ext uri="{FF2B5EF4-FFF2-40B4-BE49-F238E27FC236}">
-                <a16:creationId xmlns:a16="http://schemas.microsoft.com/office/drawing/2014/main" id="{CE261514-ECB7-4947-80FB-D7D2D759E5DA}"/>
+                <a16:creationId xmlns:a16="http://schemas.microsoft.com/office/drawing/2014/main" id="{329953DA-CE89-476B-B934-17C3AB985BE2}"/>
               </a:ext>
             </a:extLst>
           </p:cNvPr>
@@ -3617,70 +3516,74 @@
             <p:ph type="title"/>
           </p:nvPr>
         </p:nvSpPr>
+        <p:spPr/>
+        <p:txBody>
+          <a:bodyPr/>
+          <a:lstStyle/>
+          <a:p>
+            <a:endParaRPr lang="en-US"/>
+          </a:p>
+        </p:txBody>
+      </p:sp>
+      <p:sp>
+        <p:nvSpPr>
+          <p:cNvPr id="3" name="Content Placeholder 2">
+            <a:extLst>
+              <a:ext uri="{FF2B5EF4-FFF2-40B4-BE49-F238E27FC236}">
+                <a16:creationId xmlns:a16="http://schemas.microsoft.com/office/drawing/2014/main" id="{416AB0A5-1BF8-4F6A-A759-A9B05D2EA3A3}"/>
+              </a:ext>
+            </a:extLst>
+          </p:cNvPr>
+          <p:cNvSpPr>
+            <a:spLocks noGrp="1"/>
+          </p:cNvSpPr>
+          <p:nvPr>
+            <p:ph idx="1"/>
+          </p:nvPr>
+        </p:nvSpPr>
+        <p:spPr/>
+        <p:txBody>
+          <a:bodyPr/>
+          <a:lstStyle/>
+          <a:p>
+            <a:endParaRPr lang="en-US"/>
+          </a:p>
+        </p:txBody>
+      </p:sp>
+      <p:pic>
+        <p:nvPicPr>
+          <p:cNvPr id="4" name="Picture 3">
+            <a:extLst>
+              <a:ext uri="{FF2B5EF4-FFF2-40B4-BE49-F238E27FC236}">
+                <a16:creationId xmlns:a16="http://schemas.microsoft.com/office/drawing/2014/main" id="{741C5834-6569-4EDB-8EE6-002C6F233443}"/>
+              </a:ext>
+            </a:extLst>
+          </p:cNvPr>
+          <p:cNvPicPr>
+            <a:picLocks noChangeAspect="1"/>
+          </p:cNvPicPr>
+          <p:nvPr/>
+        </p:nvPicPr>
+        <p:blipFill>
+          <a:blip r:embed="rId2"/>
+          <a:stretch>
+            <a:fillRect/>
+          </a:stretch>
+        </p:blipFill>
         <p:spPr>
           <a:xfrm>
-            <a:off x="177553" y="1500826"/>
-            <a:ext cx="11353800" cy="1325563"/>
-          </a:xfrm>
-        </p:spPr>
-        <p:txBody>
-          <a:bodyPr/>
-          <a:lstStyle/>
-          <a:p>
-            <a:r>
-              <a:rPr lang="en-US"/>
-              <a:t>https://www.youtube.com/watch?v=G8hagYCMjN4</a:t>
-            </a:r>
-          </a:p>
-        </p:txBody>
-      </p:sp>
-      <p:sp>
-        <p:nvSpPr>
-          <p:cNvPr id="4" name="TextBox 3">
-            <a:extLst>
-              <a:ext uri="{FF2B5EF4-FFF2-40B4-BE49-F238E27FC236}">
-                <a16:creationId xmlns:a16="http://schemas.microsoft.com/office/drawing/2014/main" id="{6C4A1345-0CCD-43C2-9CDC-DCC9F5E25C6F}"/>
-              </a:ext>
-            </a:extLst>
-          </p:cNvPr>
-          <p:cNvSpPr txBox="1"/>
-          <p:nvPr/>
-        </p:nvSpPr>
-        <p:spPr>
-          <a:xfrm>
-            <a:off x="177553" y="949911"/>
-            <a:ext cx="3027286" cy="369332"/>
+            <a:off x="1141459" y="2061971"/>
+            <a:ext cx="3077004" cy="2734057"/>
           </a:xfrm>
           <a:prstGeom prst="rect">
             <a:avLst/>
           </a:prstGeom>
-          <a:noFill/>
         </p:spPr>
-        <p:txBody>
-          <a:bodyPr wrap="square" rtlCol="0">
-            <a:spAutoFit/>
-          </a:bodyPr>
-          <a:lstStyle/>
-          <a:p>
-            <a:r>
-              <a:rPr lang="en-US"/>
-              <a:t>Link Video h</a:t>
-            </a:r>
-            <a:r>
-              <a:rPr lang="vi-VN"/>
-              <a:t>ư</a:t>
-            </a:r>
-            <a:r>
-              <a:rPr lang="en-US"/>
-              <a:t>ớng dẫn:</a:t>
-            </a:r>
-          </a:p>
-        </p:txBody>
-      </p:sp>
+      </p:pic>
     </p:spTree>
     <p:extLst>
       <p:ext uri="{BB962C8B-B14F-4D97-AF65-F5344CB8AC3E}">
-        <p14:creationId xmlns:p14="http://schemas.microsoft.com/office/powerpoint/2010/main" val="2622774718"/>
+        <p14:creationId xmlns:p14="http://schemas.microsoft.com/office/powerpoint/2010/main" val="2918385838"/>
       </p:ext>
     </p:extLst>
   </p:cSld>
@@ -3712,285 +3615,6 @@
           <p:cNvPr id="2" name="Title 1">
             <a:extLst>
               <a:ext uri="{FF2B5EF4-FFF2-40B4-BE49-F238E27FC236}">
-                <a16:creationId xmlns:a16="http://schemas.microsoft.com/office/drawing/2014/main" id="{ED18E6C3-2E5A-4073-8315-863D4F338404}"/>
-              </a:ext>
-            </a:extLst>
-          </p:cNvPr>
-          <p:cNvSpPr>
-            <a:spLocks noGrp="1"/>
-          </p:cNvSpPr>
-          <p:nvPr>
-            <p:ph type="title"/>
-          </p:nvPr>
-        </p:nvSpPr>
-        <p:spPr>
-          <a:xfrm>
-            <a:off x="97656" y="62642"/>
-            <a:ext cx="10515600" cy="1325563"/>
-          </a:xfrm>
-        </p:spPr>
-        <p:txBody>
-          <a:bodyPr>
-            <a:normAutofit fontScale="90000"/>
-          </a:bodyPr>
-          <a:lstStyle/>
-          <a:p>
-            <a:r>
-              <a:rPr lang="en-US"/>
-              <a:t>Plugin này chi tiết h</a:t>
-            </a:r>
-            <a:r>
-              <a:rPr lang="vi-VN"/>
-              <a:t>ơ</a:t>
-            </a:r>
-            <a:r>
-              <a:rPr lang="en-US"/>
-              <a:t>n trong mục hủy đ</a:t>
-            </a:r>
-            <a:r>
-              <a:rPr lang="vi-VN"/>
-              <a:t>ơ</a:t>
-            </a:r>
-            <a:r>
-              <a:rPr lang="en-US"/>
-              <a:t>n hàng.( Mail chi tiết h</a:t>
-            </a:r>
-            <a:r>
-              <a:rPr lang="vi-VN"/>
-              <a:t>ơ</a:t>
-            </a:r>
-            <a:r>
-              <a:rPr lang="en-US"/>
-              <a:t>n)==</a:t>
-            </a:r>
-            <a:r>
-              <a:rPr lang="en-US">
-                <a:sym typeface="Wingdings" panose="05000000000000000000" pitchFamily="2" charset="2"/>
-              </a:rPr>
-              <a:t> Cho phép Chỉnh sửa Email.</a:t>
-            </a:r>
-            <a:endParaRPr lang="en-US"/>
-          </a:p>
-        </p:txBody>
-      </p:sp>
-      <p:pic>
-        <p:nvPicPr>
-          <p:cNvPr id="4" name="Picture 3">
-            <a:extLst>
-              <a:ext uri="{FF2B5EF4-FFF2-40B4-BE49-F238E27FC236}">
-                <a16:creationId xmlns:a16="http://schemas.microsoft.com/office/drawing/2014/main" id="{63A0B656-B875-476E-8FD2-78783720E4BD}"/>
-              </a:ext>
-            </a:extLst>
-          </p:cNvPr>
-          <p:cNvPicPr>
-            <a:picLocks noChangeAspect="1"/>
-          </p:cNvPicPr>
-          <p:nvPr/>
-        </p:nvPicPr>
-        <p:blipFill>
-          <a:blip r:embed="rId2"/>
-          <a:stretch>
-            <a:fillRect/>
-          </a:stretch>
-        </p:blipFill>
-        <p:spPr>
-          <a:xfrm>
-            <a:off x="490385" y="1550416"/>
-            <a:ext cx="5401429" cy="4351339"/>
-          </a:xfrm>
-          <a:prstGeom prst="rect">
-            <a:avLst/>
-          </a:prstGeom>
-        </p:spPr>
-      </p:pic>
-      <p:sp>
-        <p:nvSpPr>
-          <p:cNvPr id="5" name="TextBox 4">
-            <a:extLst>
-              <a:ext uri="{FF2B5EF4-FFF2-40B4-BE49-F238E27FC236}">
-                <a16:creationId xmlns:a16="http://schemas.microsoft.com/office/drawing/2014/main" id="{1A44A32A-F215-4BA7-881C-8EAEEE5502DE}"/>
-              </a:ext>
-            </a:extLst>
-          </p:cNvPr>
-          <p:cNvSpPr txBox="1"/>
-          <p:nvPr/>
-        </p:nvSpPr>
-        <p:spPr>
-          <a:xfrm>
-            <a:off x="6436312" y="1935332"/>
-            <a:ext cx="5149048" cy="369332"/>
-          </a:xfrm>
-          <a:prstGeom prst="rect">
-            <a:avLst/>
-          </a:prstGeom>
-          <a:noFill/>
-        </p:spPr>
-        <p:txBody>
-          <a:bodyPr wrap="square" rtlCol="0">
-            <a:spAutoFit/>
-          </a:bodyPr>
-          <a:lstStyle/>
-          <a:p>
-            <a:r>
-              <a:rPr lang="en-US"/>
-              <a:t>Tùy chỉnh các tr</a:t>
-            </a:r>
-            <a:r>
-              <a:rPr lang="vi-VN"/>
-              <a:t>ư</a:t>
-            </a:r>
-            <a:r>
-              <a:rPr lang="en-US"/>
-              <a:t>ờng của Email.</a:t>
-            </a:r>
-          </a:p>
-        </p:txBody>
-      </p:sp>
-    </p:spTree>
-    <p:extLst>
-      <p:ext uri="{BB962C8B-B14F-4D97-AF65-F5344CB8AC3E}">
-        <p14:creationId xmlns:p14="http://schemas.microsoft.com/office/powerpoint/2010/main" val="2222039678"/>
-      </p:ext>
-    </p:extLst>
-  </p:cSld>
-  <p:clrMapOvr>
-    <a:masterClrMapping/>
-  </p:clrMapOvr>
-</p:sld>
-</file>
-
-<file path=ppt/slides/slide4.xml><?xml version="1.0" encoding="utf-8"?>
-<p:sld xmlns:a="http://schemas.openxmlformats.org/drawingml/2006/main" xmlns:r="http://schemas.openxmlformats.org/officeDocument/2006/relationships" xmlns:p="http://schemas.openxmlformats.org/presentationml/2006/main">
-  <p:cSld>
-    <p:spTree>
-      <p:nvGrpSpPr>
-        <p:cNvPr id="1" name=""/>
-        <p:cNvGrpSpPr/>
-        <p:nvPr/>
-      </p:nvGrpSpPr>
-      <p:grpSpPr>
-        <a:xfrm>
-          <a:off x="0" y="0"/>
-          <a:ext cx="0" cy="0"/>
-          <a:chOff x="0" y="0"/>
-          <a:chExt cx="0" cy="0"/>
-        </a:xfrm>
-      </p:grpSpPr>
-      <p:sp>
-        <p:nvSpPr>
-          <p:cNvPr id="2" name="Title 1">
-            <a:extLst>
-              <a:ext uri="{FF2B5EF4-FFF2-40B4-BE49-F238E27FC236}">
-                <a16:creationId xmlns:a16="http://schemas.microsoft.com/office/drawing/2014/main" id="{329953DA-CE89-476B-B934-17C3AB985BE2}"/>
-              </a:ext>
-            </a:extLst>
-          </p:cNvPr>
-          <p:cNvSpPr>
-            <a:spLocks noGrp="1"/>
-          </p:cNvSpPr>
-          <p:nvPr>
-            <p:ph type="title"/>
-          </p:nvPr>
-        </p:nvSpPr>
-        <p:spPr/>
-        <p:txBody>
-          <a:bodyPr/>
-          <a:lstStyle/>
-          <a:p>
-            <a:endParaRPr lang="en-US"/>
-          </a:p>
-        </p:txBody>
-      </p:sp>
-      <p:sp>
-        <p:nvSpPr>
-          <p:cNvPr id="3" name="Content Placeholder 2">
-            <a:extLst>
-              <a:ext uri="{FF2B5EF4-FFF2-40B4-BE49-F238E27FC236}">
-                <a16:creationId xmlns:a16="http://schemas.microsoft.com/office/drawing/2014/main" id="{416AB0A5-1BF8-4F6A-A759-A9B05D2EA3A3}"/>
-              </a:ext>
-            </a:extLst>
-          </p:cNvPr>
-          <p:cNvSpPr>
-            <a:spLocks noGrp="1"/>
-          </p:cNvSpPr>
-          <p:nvPr>
-            <p:ph idx="1"/>
-          </p:nvPr>
-        </p:nvSpPr>
-        <p:spPr/>
-        <p:txBody>
-          <a:bodyPr/>
-          <a:lstStyle/>
-          <a:p>
-            <a:endParaRPr lang="en-US"/>
-          </a:p>
-        </p:txBody>
-      </p:sp>
-      <p:pic>
-        <p:nvPicPr>
-          <p:cNvPr id="4" name="Picture 3">
-            <a:extLst>
-              <a:ext uri="{FF2B5EF4-FFF2-40B4-BE49-F238E27FC236}">
-                <a16:creationId xmlns:a16="http://schemas.microsoft.com/office/drawing/2014/main" id="{741C5834-6569-4EDB-8EE6-002C6F233443}"/>
-              </a:ext>
-            </a:extLst>
-          </p:cNvPr>
-          <p:cNvPicPr>
-            <a:picLocks noChangeAspect="1"/>
-          </p:cNvPicPr>
-          <p:nvPr/>
-        </p:nvPicPr>
-        <p:blipFill>
-          <a:blip r:embed="rId2"/>
-          <a:stretch>
-            <a:fillRect/>
-          </a:stretch>
-        </p:blipFill>
-        <p:spPr>
-          <a:xfrm>
-            <a:off x="1077451" y="1825625"/>
-            <a:ext cx="3077004" cy="2734057"/>
-          </a:xfrm>
-          <a:prstGeom prst="rect">
-            <a:avLst/>
-          </a:prstGeom>
-        </p:spPr>
-      </p:pic>
-    </p:spTree>
-    <p:extLst>
-      <p:ext uri="{BB962C8B-B14F-4D97-AF65-F5344CB8AC3E}">
-        <p14:creationId xmlns:p14="http://schemas.microsoft.com/office/powerpoint/2010/main" val="2918385838"/>
-      </p:ext>
-    </p:extLst>
-  </p:cSld>
-  <p:clrMapOvr>
-    <a:masterClrMapping/>
-  </p:clrMapOvr>
-</p:sld>
-</file>
-
-<file path=ppt/slides/slide5.xml><?xml version="1.0" encoding="utf-8"?>
-<p:sld xmlns:a="http://schemas.openxmlformats.org/drawingml/2006/main" xmlns:r="http://schemas.openxmlformats.org/officeDocument/2006/relationships" xmlns:p="http://schemas.openxmlformats.org/presentationml/2006/main">
-  <p:cSld>
-    <p:spTree>
-      <p:nvGrpSpPr>
-        <p:cNvPr id="1" name=""/>
-        <p:cNvGrpSpPr/>
-        <p:nvPr/>
-      </p:nvGrpSpPr>
-      <p:grpSpPr>
-        <a:xfrm>
-          <a:off x="0" y="0"/>
-          <a:ext cx="0" cy="0"/>
-          <a:chOff x="0" y="0"/>
-          <a:chExt cx="0" cy="0"/>
-        </a:xfrm>
-      </p:grpSpPr>
-      <p:sp>
-        <p:nvSpPr>
-          <p:cNvPr id="2" name="Title 1">
-            <a:extLst>
-              <a:ext uri="{FF2B5EF4-FFF2-40B4-BE49-F238E27FC236}">
                 <a16:creationId xmlns:a16="http://schemas.microsoft.com/office/drawing/2014/main" id="{6DC82A51-AAD5-4805-BED4-2CC7599388F7}"/>
               </a:ext>
             </a:extLst>
@@ -4052,7 +3676,7 @@
 </p:sld>
 </file>
 
-<file path=ppt/slides/slide6.xml><?xml version="1.0" encoding="utf-8"?>
+<file path=ppt/slides/slide4.xml><?xml version="1.0" encoding="utf-8"?>
 <p:sld xmlns:a="http://schemas.openxmlformats.org/drawingml/2006/main" xmlns:r="http://schemas.openxmlformats.org/officeDocument/2006/relationships" xmlns:p="http://schemas.openxmlformats.org/presentationml/2006/main">
   <p:cSld>
     <p:spTree>
@@ -4112,7 +3736,7 @@
 </p:sld>
 </file>
 
-<file path=ppt/slides/slide7.xml><?xml version="1.0" encoding="utf-8"?>
+<file path=ppt/slides/slide5.xml><?xml version="1.0" encoding="utf-8"?>
 <p:sld xmlns:a="http://schemas.openxmlformats.org/drawingml/2006/main" xmlns:r="http://schemas.openxmlformats.org/officeDocument/2006/relationships" xmlns:p="http://schemas.openxmlformats.org/presentationml/2006/main">
   <p:cSld>
     <p:spTree>
@@ -4469,7 +4093,7 @@
 </p:sld>
 </file>
 
-<file path=ppt/slides/slide8.xml><?xml version="1.0" encoding="utf-8"?>
+<file path=ppt/slides/slide6.xml><?xml version="1.0" encoding="utf-8"?>
 <p:sld xmlns:a="http://schemas.openxmlformats.org/drawingml/2006/main" xmlns:r="http://schemas.openxmlformats.org/officeDocument/2006/relationships" xmlns:p="http://schemas.openxmlformats.org/presentationml/2006/main">
   <p:cSld>
     <p:spTree>
@@ -4563,86 +4187,6 @@
     <p:extLst>
       <p:ext uri="{BB962C8B-B14F-4D97-AF65-F5344CB8AC3E}">
         <p14:creationId xmlns:p14="http://schemas.microsoft.com/office/powerpoint/2010/main" val="2677024286"/>
-      </p:ext>
-    </p:extLst>
-  </p:cSld>
-  <p:clrMapOvr>
-    <a:masterClrMapping/>
-  </p:clrMapOvr>
-</p:sld>
-</file>
-
-<file path=ppt/slides/slide9.xml><?xml version="1.0" encoding="utf-8"?>
-<p:sld xmlns:a="http://schemas.openxmlformats.org/drawingml/2006/main" xmlns:r="http://schemas.openxmlformats.org/officeDocument/2006/relationships" xmlns:p="http://schemas.openxmlformats.org/presentationml/2006/main">
-  <p:cSld>
-    <p:spTree>
-      <p:nvGrpSpPr>
-        <p:cNvPr id="1" name=""/>
-        <p:cNvGrpSpPr/>
-        <p:nvPr/>
-      </p:nvGrpSpPr>
-      <p:grpSpPr>
-        <a:xfrm>
-          <a:off x="0" y="0"/>
-          <a:ext cx="0" cy="0"/>
-          <a:chOff x="0" y="0"/>
-          <a:chExt cx="0" cy="0"/>
-        </a:xfrm>
-      </p:grpSpPr>
-      <p:sp>
-        <p:nvSpPr>
-          <p:cNvPr id="2" name="Title 1">
-            <a:extLst>
-              <a:ext uri="{FF2B5EF4-FFF2-40B4-BE49-F238E27FC236}">
-                <a16:creationId xmlns:a16="http://schemas.microsoft.com/office/drawing/2014/main" id="{3FDBFBCA-9A1A-47CC-8140-59BC570B42C5}"/>
-              </a:ext>
-            </a:extLst>
-          </p:cNvPr>
-          <p:cNvSpPr>
-            <a:spLocks noGrp="1"/>
-          </p:cNvSpPr>
-          <p:nvPr>
-            <p:ph type="title"/>
-          </p:nvPr>
-        </p:nvSpPr>
-        <p:spPr/>
-        <p:txBody>
-          <a:bodyPr/>
-          <a:lstStyle/>
-          <a:p>
-            <a:endParaRPr lang="en-US"/>
-          </a:p>
-        </p:txBody>
-      </p:sp>
-      <p:sp>
-        <p:nvSpPr>
-          <p:cNvPr id="3" name="Content Placeholder 2">
-            <a:extLst>
-              <a:ext uri="{FF2B5EF4-FFF2-40B4-BE49-F238E27FC236}">
-                <a16:creationId xmlns:a16="http://schemas.microsoft.com/office/drawing/2014/main" id="{1C628CF9-65B2-4B3C-89EE-9656ECEADA3E}"/>
-              </a:ext>
-            </a:extLst>
-          </p:cNvPr>
-          <p:cNvSpPr>
-            <a:spLocks noGrp="1"/>
-          </p:cNvSpPr>
-          <p:nvPr>
-            <p:ph idx="1"/>
-          </p:nvPr>
-        </p:nvSpPr>
-        <p:spPr/>
-        <p:txBody>
-          <a:bodyPr/>
-          <a:lstStyle/>
-          <a:p>
-            <a:endParaRPr lang="en-US"/>
-          </a:p>
-        </p:txBody>
-      </p:sp>
-    </p:spTree>
-    <p:extLst>
-      <p:ext uri="{BB962C8B-B14F-4D97-AF65-F5344CB8AC3E}">
-        <p14:creationId xmlns:p14="http://schemas.microsoft.com/office/powerpoint/2010/main" val="2845671875"/>
       </p:ext>
     </p:extLst>
   </p:cSld>
